--- a/FInal_Project/FirstPresentation.pptx
+++ b/FInal_Project/FirstPresentation.pptx
@@ -8,10 +8,12 @@
     <p:sldId id="256" r:id="rId2"/>
     <p:sldId id="257" r:id="rId3"/>
     <p:sldId id="258" r:id="rId4"/>
-    <p:sldId id="259" r:id="rId5"/>
-    <p:sldId id="260" r:id="rId6"/>
+    <p:sldId id="261" r:id="rId5"/>
+    <p:sldId id="259" r:id="rId6"/>
+    <p:sldId id="262" r:id="rId7"/>
+    <p:sldId id="260" r:id="rId8"/>
   </p:sldIdLst>
-  <p:sldSz cx="9144000" cy="6858000" type="screen4x3"/>
+  <p:sldSz cx="9144000" cy="6858000" type="overhead"/>
   <p:notesSz cx="6858000" cy="9144000"/>
   <p:defaultTextStyle>
     <a:defPPr>
@@ -301,7 +303,7 @@
               <a:pPr/>
               <a:t>10/24/16</a:t>
             </a:fld>
-            <a:endParaRPr lang="en-US"/>
+            <a:endParaRPr lang="en-US" dirty="0"/>
           </a:p>
         </p:txBody>
       </p:sp>
@@ -325,7 +327,7 @@
               <a:pPr/>
               <a:t>‹#›</a:t>
             </a:fld>
-            <a:endParaRPr lang="en-US"/>
+            <a:endParaRPr lang="en-US" dirty="0"/>
           </a:p>
         </p:txBody>
       </p:sp>
@@ -467,7 +469,7 @@
               <a:rPr lang="en-US" smtClean="0"/>
               <a:t>10/24/16</a:t>
             </a:fld>
-            <a:endParaRPr lang="en-US"/>
+            <a:endParaRPr lang="en-US" dirty="0"/>
           </a:p>
         </p:txBody>
       </p:sp>
@@ -486,7 +488,7 @@
           <a:bodyPr/>
           <a:lstStyle/>
           <a:p>
-            <a:endParaRPr lang="en-US"/>
+            <a:endParaRPr lang="en-US" dirty="0"/>
           </a:p>
         </p:txBody>
       </p:sp>
@@ -509,7 +511,7 @@
               <a:rPr lang="en-US" smtClean="0"/>
               <a:t>‹#›</a:t>
             </a:fld>
-            <a:endParaRPr lang="en-US"/>
+            <a:endParaRPr lang="en-US" dirty="0"/>
           </a:p>
         </p:txBody>
       </p:sp>
@@ -662,7 +664,7 @@
           <a:bodyPr/>
           <a:lstStyle/>
           <a:p>
-            <a:endParaRPr lang="en-US"/>
+            <a:endParaRPr lang="en-US" dirty="0"/>
           </a:p>
         </p:txBody>
       </p:sp>
@@ -686,7 +688,7 @@
               <a:pPr/>
               <a:t>‹#›</a:t>
             </a:fld>
-            <a:endParaRPr lang="en-US"/>
+            <a:endParaRPr lang="en-US" dirty="0"/>
           </a:p>
         </p:txBody>
       </p:sp>
@@ -810,7 +812,7 @@
               <a:pPr/>
               <a:t>10/24/16</a:t>
             </a:fld>
-            <a:endParaRPr lang="en-US"/>
+            <a:endParaRPr lang="en-US" dirty="0"/>
           </a:p>
         </p:txBody>
       </p:sp>
@@ -829,7 +831,7 @@
           <a:bodyPr/>
           <a:lstStyle/>
           <a:p>
-            <a:endParaRPr lang="en-US"/>
+            <a:endParaRPr lang="en-US" dirty="0"/>
           </a:p>
         </p:txBody>
       </p:sp>
@@ -853,7 +855,7 @@
               <a:pPr/>
               <a:t>‹#›</a:t>
             </a:fld>
-            <a:endParaRPr lang="en-US"/>
+            <a:endParaRPr lang="en-US" dirty="0"/>
           </a:p>
         </p:txBody>
       </p:sp>
@@ -1051,7 +1053,7 @@
               <a:pPr/>
               <a:t>10/24/16</a:t>
             </a:fld>
-            <a:endParaRPr lang="en-US"/>
+            <a:endParaRPr lang="en-US" dirty="0"/>
           </a:p>
         </p:txBody>
       </p:sp>
@@ -1070,7 +1072,7 @@
           <a:bodyPr/>
           <a:lstStyle/>
           <a:p>
-            <a:endParaRPr lang="en-US"/>
+            <a:endParaRPr lang="en-US" dirty="0"/>
           </a:p>
         </p:txBody>
       </p:sp>
@@ -1094,7 +1096,7 @@
               <a:pPr/>
               <a:t>‹#›</a:t>
             </a:fld>
-            <a:endParaRPr lang="en-US"/>
+            <a:endParaRPr lang="en-US" dirty="0"/>
           </a:p>
         </p:txBody>
       </p:sp>
@@ -1143,7 +1145,7 @@
               <a:pPr/>
               <a:t>10/24/16</a:t>
             </a:fld>
-            <a:endParaRPr lang="en-US"/>
+            <a:endParaRPr lang="en-US" dirty="0"/>
           </a:p>
         </p:txBody>
       </p:sp>
@@ -1162,7 +1164,7 @@
           <a:bodyPr/>
           <a:lstStyle/>
           <a:p>
-            <a:endParaRPr lang="en-US"/>
+            <a:endParaRPr lang="en-US" dirty="0"/>
           </a:p>
         </p:txBody>
       </p:sp>
@@ -1186,7 +1188,7 @@
               <a:pPr/>
               <a:t>‹#›</a:t>
             </a:fld>
-            <a:endParaRPr lang="en-US"/>
+            <a:endParaRPr lang="en-US" dirty="0"/>
           </a:p>
         </p:txBody>
       </p:sp>
@@ -1519,7 +1521,7 @@
               <a:pPr/>
               <a:t>10/24/16</a:t>
             </a:fld>
-            <a:endParaRPr lang="en-US"/>
+            <a:endParaRPr lang="en-US" dirty="0"/>
           </a:p>
         </p:txBody>
       </p:sp>
@@ -1538,7 +1540,7 @@
           <a:bodyPr/>
           <a:lstStyle/>
           <a:p>
-            <a:endParaRPr lang="en-US"/>
+            <a:endParaRPr lang="en-US" dirty="0"/>
           </a:p>
         </p:txBody>
       </p:sp>
@@ -1562,7 +1564,7 @@
               <a:pPr/>
               <a:t>‹#›</a:t>
             </a:fld>
-            <a:endParaRPr lang="en-US"/>
+            <a:endParaRPr lang="en-US" dirty="0"/>
           </a:p>
         </p:txBody>
       </p:sp>
@@ -1776,7 +1778,7 @@
               <a:pPr/>
               <a:t>10/24/16</a:t>
             </a:fld>
-            <a:endParaRPr lang="en-US"/>
+            <a:endParaRPr lang="en-US" dirty="0"/>
           </a:p>
         </p:txBody>
       </p:sp>
@@ -1795,7 +1797,7 @@
           <a:bodyPr/>
           <a:lstStyle/>
           <a:p>
-            <a:endParaRPr lang="en-US"/>
+            <a:endParaRPr lang="en-US" dirty="0"/>
           </a:p>
         </p:txBody>
       </p:sp>
@@ -1819,7 +1821,7 @@
               <a:pPr/>
               <a:t>‹#›</a:t>
             </a:fld>
-            <a:endParaRPr lang="en-US"/>
+            <a:endParaRPr lang="en-US" dirty="0"/>
           </a:p>
         </p:txBody>
       </p:sp>
@@ -1868,7 +1870,7 @@
               <a:pPr/>
               <a:t>10/24/16</a:t>
             </a:fld>
-            <a:endParaRPr lang="en-US"/>
+            <a:endParaRPr lang="en-US" dirty="0"/>
           </a:p>
         </p:txBody>
       </p:sp>
@@ -1887,7 +1889,7 @@
           <a:bodyPr/>
           <a:lstStyle/>
           <a:p>
-            <a:endParaRPr lang="en-US"/>
+            <a:endParaRPr lang="en-US" dirty="0"/>
           </a:p>
         </p:txBody>
       </p:sp>
@@ -1911,7 +1913,7 @@
               <a:pPr/>
               <a:t>‹#›</a:t>
             </a:fld>
-            <a:endParaRPr lang="en-US"/>
+            <a:endParaRPr lang="en-US" dirty="0"/>
           </a:p>
         </p:txBody>
       </p:sp>
@@ -2144,7 +2146,7 @@
               <a:pPr/>
               <a:t>10/24/16</a:t>
             </a:fld>
-            <a:endParaRPr lang="en-US"/>
+            <a:endParaRPr lang="en-US" dirty="0"/>
           </a:p>
         </p:txBody>
       </p:sp>
@@ -2163,7 +2165,7 @@
           <a:bodyPr/>
           <a:lstStyle/>
           <a:p>
-            <a:endParaRPr lang="en-US"/>
+            <a:endParaRPr lang="en-US" dirty="0"/>
           </a:p>
         </p:txBody>
       </p:sp>
@@ -2187,7 +2189,7 @@
               <a:pPr/>
               <a:t>‹#›</a:t>
             </a:fld>
-            <a:endParaRPr lang="en-US"/>
+            <a:endParaRPr lang="en-US" dirty="0"/>
           </a:p>
         </p:txBody>
       </p:sp>
@@ -2326,7 +2328,7 @@
           </a:lstStyle>
           <a:p>
             <a:r>
-              <a:rPr lang="en-US" smtClean="0"/>
+              <a:rPr lang="en-US" dirty="0" smtClean="0"/>
               <a:t>Drag picture to placeholder or click icon to add</a:t>
             </a:r>
             <a:endParaRPr lang="en-US" dirty="0"/>
@@ -2418,7 +2420,7 @@
               <a:pPr/>
               <a:t>10/24/16</a:t>
             </a:fld>
-            <a:endParaRPr lang="en-US"/>
+            <a:endParaRPr lang="en-US" dirty="0"/>
           </a:p>
         </p:txBody>
       </p:sp>
@@ -2437,7 +2439,7 @@
           <a:bodyPr/>
           <a:lstStyle/>
           <a:p>
-            <a:endParaRPr lang="en-US"/>
+            <a:endParaRPr lang="en-US" dirty="0"/>
           </a:p>
         </p:txBody>
       </p:sp>
@@ -2461,7 +2463,7 @@
               <a:pPr/>
               <a:t>‹#›</a:t>
             </a:fld>
-            <a:endParaRPr lang="en-US"/>
+            <a:endParaRPr lang="en-US" dirty="0"/>
           </a:p>
         </p:txBody>
       </p:sp>
@@ -2537,7 +2539,7 @@
           <a:lstStyle/>
           <a:p>
             <a:pPr algn="ctr"/>
-            <a:endParaRPr lang="en-US"/>
+            <a:endParaRPr lang="en-US" dirty="0"/>
           </a:p>
         </p:txBody>
       </p:sp>
@@ -2583,7 +2585,7 @@
           <a:lstStyle/>
           <a:p>
             <a:pPr algn="ctr"/>
-            <a:endParaRPr lang="en-US"/>
+            <a:endParaRPr lang="en-US" dirty="0"/>
           </a:p>
         </p:txBody>
       </p:sp>
@@ -2760,7 +2762,7 @@
               <a:pPr/>
               <a:t>‹#›</a:t>
             </a:fld>
-            <a:endParaRPr lang="en-US"/>
+            <a:endParaRPr lang="en-US" dirty="0"/>
           </a:p>
         </p:txBody>
       </p:sp>
@@ -3232,6 +3234,72 @@
           </a:p>
         </p:txBody>
       </p:sp>
+      <p:pic>
+        <p:nvPicPr>
+          <p:cNvPr id="6" name="Picture 5" descr="RS_logo.jpg"/>
+          <p:cNvPicPr>
+            <a:picLocks noChangeAspect="1"/>
+          </p:cNvPicPr>
+          <p:nvPr/>
+        </p:nvPicPr>
+        <p:blipFill>
+          <a:blip r:embed="rId2">
+            <a:extLst>
+              <a:ext uri="{28A0092B-C50C-407E-A947-70E740481C1C}">
+                <a14:useLocalDpi xmlns:a14="http://schemas.microsoft.com/office/drawing/2010/main" val="0"/>
+              </a:ext>
+            </a:extLst>
+          </a:blip>
+          <a:stretch>
+            <a:fillRect/>
+          </a:stretch>
+        </p:blipFill>
+        <p:spPr>
+          <a:xfrm>
+            <a:off x="4961890" y="1584960"/>
+            <a:ext cx="2479040" cy="1828800"/>
+          </a:xfrm>
+          <a:prstGeom prst="rect">
+            <a:avLst/>
+          </a:prstGeom>
+          <a:effectLst>
+            <a:reflection blurRad="6350" stA="15000" endA="300" endPos="30000" dir="5400000" sy="-100000" algn="bl"/>
+          </a:effectLst>
+        </p:spPr>
+      </p:pic>
+      <p:pic>
+        <p:nvPicPr>
+          <p:cNvPr id="7" name="Picture 6" descr="The-Beatles-White-Logo-Wallpaper.jpg"/>
+          <p:cNvPicPr>
+            <a:picLocks noChangeAspect="1"/>
+          </p:cNvPicPr>
+          <p:nvPr/>
+        </p:nvPicPr>
+        <p:blipFill>
+          <a:blip r:embed="rId3">
+            <a:extLst>
+              <a:ext uri="{28A0092B-C50C-407E-A947-70E740481C1C}">
+                <a14:useLocalDpi xmlns:a14="http://schemas.microsoft.com/office/drawing/2010/main" val="0"/>
+              </a:ext>
+            </a:extLst>
+          </a:blip>
+          <a:stretch>
+            <a:fillRect/>
+          </a:stretch>
+        </p:blipFill>
+        <p:spPr>
+          <a:xfrm>
+            <a:off x="1342140" y="1584960"/>
+            <a:ext cx="2440439" cy="1828800"/>
+          </a:xfrm>
+          <a:prstGeom prst="rect">
+            <a:avLst/>
+          </a:prstGeom>
+          <a:effectLst>
+            <a:reflection blurRad="6350" stA="15000" endA="300" endPos="30000" dir="5400000" sy="-100000" algn="bl"/>
+          </a:effectLst>
+        </p:spPr>
+      </p:pic>
     </p:spTree>
     <p:extLst>
       <p:ext uri="{BB962C8B-B14F-4D97-AF65-F5344CB8AC3E}">
@@ -3242,6 +3310,13 @@
   <p:clrMapOvr>
     <a:masterClrMapping/>
   </p:clrMapOvr>
+  <p:timing>
+    <p:tnLst>
+      <p:par>
+        <p:cTn xmlns:p14="http://schemas.microsoft.com/office/powerpoint/2010/main" id="1" dur="indefinite" restart="never" nodeType="tmRoot"/>
+      </p:par>
+    </p:tnLst>
+  </p:timing>
 </p:sld>
 </file>
 
@@ -3298,13 +3373,20 @@
         <p:spPr/>
         <p:txBody>
           <a:bodyPr>
-            <a:normAutofit fontScale="92500" lnSpcReduction="10000"/>
+            <a:normAutofit fontScale="92500" lnSpcReduction="20000"/>
           </a:bodyPr>
           <a:lstStyle/>
           <a:p>
+            <a:endParaRPr lang="en-US" dirty="0" smtClean="0"/>
+          </a:p>
+          <a:p>
+            <a:r>
+              <a:rPr lang="en-US" dirty="0" smtClean="0"/>
+              <a:t>Generations </a:t>
+            </a:r>
             <a:r>
               <a:rPr lang="en-US" dirty="0"/>
-              <a:t>Generations of musicians and fans have asked a question, so oft asked it has been reduced to “Beatles or Stones”. Perhaps you are not a fan of either, simply don’t care, or you wonder “who”. (Ask your parents…</a:t>
+              <a:t>of musicians and fans have asked a question, so oft asked it has been reduced to “Beatles or Stones”. Perhaps you are not a fan of either, simply don’t care, or you wonder “who”. (Ask your parents…</a:t>
             </a:r>
             <a:r>
               <a:rPr lang="en-US" dirty="0" smtClean="0"/>
@@ -3317,7 +3399,7 @@
           <a:p>
             <a:r>
               <a:rPr lang="en-US" dirty="0" smtClean="0"/>
-              <a:t>Regardless, the influence of both artists is undeniable, as is their enduring popularity over the years. And that popularity has been demonstrated via sales of their music and countless top N lists. And this is represented in the work of subsequent artists recordings</a:t>
+              <a:t>Regardless, the influence of both artists is undeniable, as is their enduring popularity over the years. And that popularity has been demonstrated via sales of their music and countless top N lists. And this is represented in the work of subsequent artist’s recordings</a:t>
             </a:r>
           </a:p>
           <a:p>
@@ -3339,6 +3421,66 @@
           </a:p>
         </p:txBody>
       </p:sp>
+      <p:pic>
+        <p:nvPicPr>
+          <p:cNvPr id="4" name="Picture 3" descr="Stones Live_72.jpg"/>
+          <p:cNvPicPr>
+            <a:picLocks noChangeAspect="1"/>
+          </p:cNvPicPr>
+          <p:nvPr/>
+        </p:nvPicPr>
+        <p:blipFill>
+          <a:blip r:embed="rId2" cstate="print">
+            <a:extLst>
+              <a:ext uri="{28A0092B-C50C-407E-A947-70E740481C1C}">
+                <a14:useLocalDpi xmlns:a14="http://schemas.microsoft.com/office/drawing/2010/main" val="0"/>
+              </a:ext>
+            </a:extLst>
+          </a:blip>
+          <a:stretch>
+            <a:fillRect/>
+          </a:stretch>
+        </p:blipFill>
+        <p:spPr>
+          <a:xfrm>
+            <a:off x="5936107" y="537411"/>
+            <a:ext cx="2123531" cy="1369675"/>
+          </a:xfrm>
+          <a:prstGeom prst="rect">
+            <a:avLst/>
+          </a:prstGeom>
+        </p:spPr>
+      </p:pic>
+      <p:pic>
+        <p:nvPicPr>
+          <p:cNvPr id="5" name="Picture 4" descr="Beatles_sullivan.jpg"/>
+          <p:cNvPicPr>
+            <a:picLocks noChangeAspect="1"/>
+          </p:cNvPicPr>
+          <p:nvPr/>
+        </p:nvPicPr>
+        <p:blipFill>
+          <a:blip r:embed="rId3">
+            <a:extLst>
+              <a:ext uri="{28A0092B-C50C-407E-A947-70E740481C1C}">
+                <a14:useLocalDpi xmlns:a14="http://schemas.microsoft.com/office/drawing/2010/main" val="0"/>
+              </a:ext>
+            </a:extLst>
+          </a:blip>
+          <a:stretch>
+            <a:fillRect/>
+          </a:stretch>
+        </p:blipFill>
+        <p:spPr>
+          <a:xfrm>
+            <a:off x="1026163" y="537411"/>
+            <a:ext cx="1889775" cy="1371600"/>
+          </a:xfrm>
+          <a:prstGeom prst="rect">
+            <a:avLst/>
+          </a:prstGeom>
+        </p:spPr>
+      </p:pic>
     </p:spTree>
     <p:extLst>
       <p:ext uri="{BB962C8B-B14F-4D97-AF65-F5344CB8AC3E}">
@@ -3349,6 +3491,13 @@
   <p:clrMapOvr>
     <a:masterClrMapping/>
   </p:clrMapOvr>
+  <p:timing>
+    <p:tnLst>
+      <p:par>
+        <p:cTn xmlns:p14="http://schemas.microsoft.com/office/powerpoint/2010/main" id="1" dur="indefinite" restart="never" nodeType="tmRoot"/>
+      </p:par>
+    </p:tnLst>
+  </p:timing>
 </p:sld>
 </file>
 
@@ -3407,21 +3556,13 @@
         <p:spPr/>
         <p:txBody>
           <a:bodyPr>
-            <a:normAutofit fontScale="92500" lnSpcReduction="20000"/>
+            <a:normAutofit/>
           </a:bodyPr>
           <a:lstStyle/>
           <a:p>
             <a:r>
               <a:rPr lang="en-US" dirty="0"/>
-              <a:t>The </a:t>
-            </a:r>
-            <a:r>
-              <a:rPr lang="en-US" dirty="0" err="1"/>
-              <a:t>MusicBrainz</a:t>
-            </a:r>
-            <a:r>
-              <a:rPr lang="en-US" dirty="0"/>
-              <a:t> database represents a comprehensive pool of information about recorded music. The two bands I have chosen represent a relatively small subset of this data yet between them exists large catalog of songs and recordings, with decades of history generating a significant data trail that may provide hidden insights </a:t>
+              <a:t>The MusicBrainz database represents a comprehensive pool of information about recorded music. The two bands I have chosen represent a relatively small subset of this data yet between them exists large catalog of songs and recordings, with decades of history generating a significant data trail that may provide hidden insights </a:t>
             </a:r>
             <a:r>
               <a:rPr lang="en-US" dirty="0" smtClean="0"/>
@@ -3446,59 +3587,6 @@
             <a:r>
               <a:rPr lang="en-US" dirty="0" smtClean="0"/>
               <a:t>source, can this influence be measured?</a:t>
-            </a:r>
-          </a:p>
-          <a:p>
-            <a:r>
-              <a:rPr lang="en-US" dirty="0" smtClean="0"/>
-              <a:t># of </a:t>
-            </a:r>
-            <a:r>
-              <a:rPr lang="en-US" dirty="0"/>
-              <a:t>songs written/released</a:t>
-            </a:r>
-            <a:r>
-              <a:rPr lang="en-US" dirty="0" smtClean="0"/>
-              <a:t>,</a:t>
-            </a:r>
-          </a:p>
-          <a:p>
-            <a:r>
-              <a:rPr lang="en-US" dirty="0" smtClean="0"/>
-              <a:t># of </a:t>
-            </a:r>
-            <a:r>
-              <a:rPr lang="en-US" dirty="0"/>
-              <a:t>albums </a:t>
-            </a:r>
-            <a:r>
-              <a:rPr lang="en-US" dirty="0" smtClean="0"/>
-              <a:t>released/rereleased worldwide</a:t>
-            </a:r>
-          </a:p>
-          <a:p>
-            <a:r>
-              <a:rPr lang="en-US" i="1" dirty="0"/>
-              <a:t>Cover</a:t>
-            </a:r>
-            <a:r>
-              <a:rPr lang="en-US" dirty="0"/>
-              <a:t> recordings of each artist's respective </a:t>
-            </a:r>
-            <a:r>
-              <a:rPr lang="en-US" dirty="0" smtClean="0"/>
-              <a:t>catalog</a:t>
-            </a:r>
-            <a:endParaRPr lang="en-US" dirty="0"/>
-          </a:p>
-          <a:p>
-            <a:r>
-              <a:rPr lang="en-US" dirty="0"/>
-              <a:t>U</a:t>
-            </a:r>
-            <a:r>
-              <a:rPr lang="en-US" dirty="0" smtClean="0"/>
-              <a:t>ser Ratings for any of the above. </a:t>
             </a:r>
           </a:p>
         </p:txBody>
@@ -3513,6 +3601,13 @@
   <p:clrMapOvr>
     <a:masterClrMapping/>
   </p:clrMapOvr>
+  <p:timing>
+    <p:tnLst>
+      <p:par>
+        <p:cTn xmlns:p14="http://schemas.microsoft.com/office/powerpoint/2010/main" id="1" dur="indefinite" restart="never" nodeType="tmRoot"/>
+      </p:par>
+    </p:tnLst>
+  </p:timing>
 </p:sld>
 </file>
 
@@ -3550,7 +3645,7 @@
           <a:p>
             <a:r>
               <a:rPr lang="en-US" dirty="0" smtClean="0"/>
-              <a:t>Key Data Issues</a:t>
+              <a:t>About the Data</a:t>
             </a:r>
             <a:endParaRPr lang="en-US" dirty="0"/>
           </a:p>
@@ -3572,49 +3667,111 @@
           <a:lstStyle/>
           <a:p>
             <a:r>
+              <a:rPr lang="en-US" b="1" dirty="0"/>
+              <a:t>MusicBrainz is a community-maintained open source encyclopedia of music information</a:t>
+            </a:r>
+            <a:r>
+              <a:rPr lang="en-US" b="1" dirty="0" smtClean="0"/>
+              <a:t>. </a:t>
+            </a:r>
+            <a:r>
+              <a:rPr lang="en-US" b="1" dirty="0" smtClean="0"/>
+              <a:t>Sim</a:t>
+            </a:r>
+            <a:r>
+              <a:rPr lang="en-US" b="1" dirty="0" smtClean="0"/>
+              <a:t>. Wikipedia</a:t>
+            </a:r>
+          </a:p>
+          <a:p>
+            <a:r>
+              <a:rPr lang="en-US" dirty="0" smtClean="0">
+                <a:hlinkClick r:id="rId2"/>
+              </a:rPr>
+              <a:t>https</a:t>
+            </a:r>
+            <a:r>
+              <a:rPr lang="en-US" dirty="0">
+                <a:hlinkClick r:id="rId2"/>
+              </a:rPr>
+              <a:t>://musicbrainz.org</a:t>
+            </a:r>
+            <a:r>
+              <a:rPr lang="en-US" dirty="0" smtClean="0">
+                <a:hlinkClick r:id="rId2"/>
+              </a:rPr>
+              <a:t>/</a:t>
+            </a:r>
+            <a:endParaRPr lang="en-US" dirty="0" smtClean="0"/>
+          </a:p>
+          <a:p>
+            <a:r>
+              <a:rPr lang="en-US" dirty="0" smtClean="0">
+                <a:hlinkClick r:id="rId3"/>
+              </a:rPr>
+              <a:t>Schema Info</a:t>
+            </a:r>
+            <a:endParaRPr lang="en-US" dirty="0" smtClean="0"/>
+          </a:p>
+          <a:p>
+            <a:endParaRPr lang="en-US" dirty="0" smtClean="0"/>
+          </a:p>
+          <a:p>
+            <a:r>
               <a:rPr lang="en-US" dirty="0" smtClean="0"/>
-              <a:t>Initial exploration of </a:t>
-            </a:r>
-            <a:r>
-              <a:rPr lang="en-US" dirty="0" err="1" smtClean="0"/>
-              <a:t>Musicbrainz</a:t>
-            </a:r>
-            <a:r>
-              <a:rPr lang="en-US" dirty="0" smtClean="0"/>
-              <a:t> API proved challenging to parse the specific relationships I want to explore.</a:t>
-            </a:r>
-          </a:p>
-          <a:p>
-            <a:r>
-              <a:rPr lang="en-US" dirty="0" smtClean="0"/>
-              <a:t>The entire database is open-source and can be run from a downloadable virtual server.</a:t>
-            </a:r>
-          </a:p>
-          <a:p>
-            <a:r>
-              <a:rPr lang="en-US" dirty="0" smtClean="0"/>
-              <a:t>SQL queries against the server have been more successful, allowing me to pull a raw dataset with the desired data points for the two artists in question.</a:t>
-            </a:r>
-          </a:p>
-          <a:p>
-            <a:r>
-              <a:rPr lang="en-US" dirty="0" smtClean="0"/>
-              <a:t>Generally there is too much data, which while clean requires continuing aggregation to reduce to a useful set of features and responses.</a:t>
-            </a:r>
-            <a:endParaRPr lang="en-US" dirty="0"/>
-          </a:p>
-        </p:txBody>
-      </p:sp>
+              <a:t>Developers/Users are encouraged to build applications on top of the platform.</a:t>
+            </a:r>
+            <a:endParaRPr lang="en-US" dirty="0"/>
+          </a:p>
+        </p:txBody>
+      </p:sp>
+      <p:pic>
+        <p:nvPicPr>
+          <p:cNvPr id="5" name="Picture 4" descr="musicbrainz_logo.png"/>
+          <p:cNvPicPr>
+            <a:picLocks noChangeAspect="1"/>
+          </p:cNvPicPr>
+          <p:nvPr/>
+        </p:nvPicPr>
+        <p:blipFill>
+          <a:blip r:embed="rId4">
+            <a:extLst>
+              <a:ext uri="{28A0092B-C50C-407E-A947-70E740481C1C}">
+                <a14:useLocalDpi xmlns:a14="http://schemas.microsoft.com/office/drawing/2010/main" val="0"/>
+              </a:ext>
+            </a:extLst>
+          </a:blip>
+          <a:stretch>
+            <a:fillRect/>
+          </a:stretch>
+        </p:blipFill>
+        <p:spPr>
+          <a:xfrm>
+            <a:off x="5405120" y="3754120"/>
+            <a:ext cx="1819275" cy="285750"/>
+          </a:xfrm>
+          <a:prstGeom prst="rect">
+            <a:avLst/>
+          </a:prstGeom>
+        </p:spPr>
+      </p:pic>
     </p:spTree>
     <p:extLst>
       <p:ext uri="{BB962C8B-B14F-4D97-AF65-F5344CB8AC3E}">
-        <p14:creationId xmlns:p14="http://schemas.microsoft.com/office/powerpoint/2010/main" val="2132602012"/>
+        <p14:creationId xmlns:p14="http://schemas.microsoft.com/office/powerpoint/2010/main" val="94471796"/>
       </p:ext>
     </p:extLst>
   </p:cSld>
   <p:clrMapOvr>
     <a:masterClrMapping/>
   </p:clrMapOvr>
+  <p:timing>
+    <p:tnLst>
+      <p:par>
+        <p:cTn xmlns:p14="http://schemas.microsoft.com/office/powerpoint/2010/main" id="1" dur="indefinite" restart="never" nodeType="tmRoot"/>
+      </p:par>
+    </p:tnLst>
+  </p:timing>
 </p:sld>
 </file>
 
@@ -3651,8 +3808,8 @@
           <a:lstStyle/>
           <a:p>
             <a:r>
-              <a:rPr lang="en-US" dirty="0" err="1" smtClean="0"/>
-              <a:t>ToDo</a:t>
+              <a:rPr lang="en-US" dirty="0" smtClean="0"/>
+              <a:t>Key Data Issues</a:t>
             </a:r>
             <a:endParaRPr lang="en-US" dirty="0"/>
           </a:p>
@@ -3675,19 +3832,261 @@
           <a:p>
             <a:r>
               <a:rPr lang="en-US" dirty="0" smtClean="0"/>
-              <a:t>Finalize features and responses</a:t>
-            </a:r>
-          </a:p>
-          <a:p>
+              <a:t>Initial exploration of the </a:t>
+            </a:r>
             <a:r>
               <a:rPr lang="en-US" dirty="0" smtClean="0"/>
-              <a:t>Test classifiers for </a:t>
-            </a:r>
-            <a:r>
-              <a:rPr lang="en-US" smtClean="0"/>
-              <a:t>the dataset</a:t>
-            </a:r>
-            <a:endParaRPr lang="en-US"/>
+              <a:t>Musicbrainz</a:t>
+            </a:r>
+            <a:r>
+              <a:rPr lang="en-US" dirty="0" smtClean="0"/>
+              <a:t> API proved challenging to parse the specific relationships I want to explore.</a:t>
+            </a:r>
+          </a:p>
+          <a:p>
+            <a:r>
+              <a:rPr lang="en-US" dirty="0" smtClean="0"/>
+              <a:t>The entire database is open-source and can be run from a downloadable virtual server.</a:t>
+            </a:r>
+          </a:p>
+          <a:p>
+            <a:r>
+              <a:rPr lang="en-US" dirty="0" smtClean="0"/>
+              <a:t>SQL queries against the server have been more successful, allowing me to pull a raw dataset with the desired data points for the two artists in question.</a:t>
+            </a:r>
+          </a:p>
+          <a:p>
+            <a:r>
+              <a:rPr lang="en-US" dirty="0" smtClean="0"/>
+              <a:t>Generally there is too much data which, while clean requires continuing aggregation to reduce to a useful set of features and responses.</a:t>
+            </a:r>
+            <a:endParaRPr lang="en-US" dirty="0"/>
+          </a:p>
+        </p:txBody>
+      </p:sp>
+    </p:spTree>
+    <p:extLst>
+      <p:ext uri="{BB962C8B-B14F-4D97-AF65-F5344CB8AC3E}">
+        <p14:creationId xmlns:p14="http://schemas.microsoft.com/office/powerpoint/2010/main" val="2132602012"/>
+      </p:ext>
+    </p:extLst>
+  </p:cSld>
+  <p:clrMapOvr>
+    <a:masterClrMapping/>
+  </p:clrMapOvr>
+  <p:timing>
+    <p:tnLst>
+      <p:par>
+        <p:cTn xmlns:p14="http://schemas.microsoft.com/office/powerpoint/2010/main" id="1" dur="indefinite" restart="never" nodeType="tmRoot"/>
+      </p:par>
+    </p:tnLst>
+  </p:timing>
+</p:sld>
+</file>
+
+<file path=ppt/slides/slide6.xml><?xml version="1.0" encoding="utf-8"?>
+<p:sld xmlns:a="http://schemas.openxmlformats.org/drawingml/2006/main" xmlns:r="http://schemas.openxmlformats.org/officeDocument/2006/relationships" xmlns:p="http://schemas.openxmlformats.org/presentationml/2006/main">
+  <p:cSld>
+    <p:spTree>
+      <p:nvGrpSpPr>
+        <p:cNvPr id="1" name=""/>
+        <p:cNvGrpSpPr/>
+        <p:nvPr/>
+      </p:nvGrpSpPr>
+      <p:grpSpPr>
+        <a:xfrm>
+          <a:off x="0" y="0"/>
+          <a:ext cx="0" cy="0"/>
+          <a:chOff x="0" y="0"/>
+          <a:chExt cx="0" cy="0"/>
+        </a:xfrm>
+      </p:grpSpPr>
+      <p:pic>
+        <p:nvPicPr>
+          <p:cNvPr id="6" name="Picture 5" descr="mb_schema.png"/>
+          <p:cNvPicPr>
+            <a:picLocks noChangeAspect="1"/>
+          </p:cNvPicPr>
+          <p:nvPr/>
+        </p:nvPicPr>
+        <p:blipFill>
+          <a:blip r:embed="rId2">
+            <a:extLst>
+              <a:ext uri="{28A0092B-C50C-407E-A947-70E740481C1C}">
+                <a14:useLocalDpi xmlns:a14="http://schemas.microsoft.com/office/drawing/2010/main" val="0"/>
+              </a:ext>
+            </a:extLst>
+          </a:blip>
+          <a:stretch>
+            <a:fillRect/>
+          </a:stretch>
+        </p:blipFill>
+        <p:spPr>
+          <a:xfrm>
+            <a:off x="1897812" y="538491"/>
+            <a:ext cx="5348376" cy="5486400"/>
+          </a:xfrm>
+          <a:prstGeom prst="rect">
+            <a:avLst/>
+          </a:prstGeom>
+          <a:effectLst>
+            <a:outerShdw blurRad="152400" dist="317500" dir="5400000" sx="90000" sy="-19000" rotWithShape="0">
+              <a:prstClr val="black">
+                <a:alpha val="15000"/>
+              </a:prstClr>
+            </a:outerShdw>
+            <a:reflection blurRad="6350" stA="52000" endA="300" endPos="35000" dir="5400000" sy="-100000" algn="bl" rotWithShape="0"/>
+          </a:effectLst>
+        </p:spPr>
+      </p:pic>
+    </p:spTree>
+    <p:extLst>
+      <p:ext uri="{BB962C8B-B14F-4D97-AF65-F5344CB8AC3E}">
+        <p14:creationId xmlns:p14="http://schemas.microsoft.com/office/powerpoint/2010/main" val="1521093388"/>
+      </p:ext>
+    </p:extLst>
+  </p:cSld>
+  <p:clrMapOvr>
+    <a:masterClrMapping/>
+  </p:clrMapOvr>
+  <p:timing>
+    <p:tnLst>
+      <p:par>
+        <p:cTn xmlns:p14="http://schemas.microsoft.com/office/powerpoint/2010/main" id="1" dur="indefinite" restart="never" nodeType="tmRoot"/>
+      </p:par>
+    </p:tnLst>
+  </p:timing>
+</p:sld>
+</file>
+
+<file path=ppt/slides/slide7.xml><?xml version="1.0" encoding="utf-8"?>
+<p:sld xmlns:a="http://schemas.openxmlformats.org/drawingml/2006/main" xmlns:r="http://schemas.openxmlformats.org/officeDocument/2006/relationships" xmlns:p="http://schemas.openxmlformats.org/presentationml/2006/main">
+  <p:cSld>
+    <p:spTree>
+      <p:nvGrpSpPr>
+        <p:cNvPr id="1" name=""/>
+        <p:cNvGrpSpPr/>
+        <p:nvPr/>
+      </p:nvGrpSpPr>
+      <p:grpSpPr>
+        <a:xfrm>
+          <a:off x="0" y="0"/>
+          <a:ext cx="0" cy="0"/>
+          <a:chOff x="0" y="0"/>
+          <a:chExt cx="0" cy="0"/>
+        </a:xfrm>
+      </p:grpSpPr>
+      <p:sp>
+        <p:nvSpPr>
+          <p:cNvPr id="2" name="Title 1"/>
+          <p:cNvSpPr>
+            <a:spLocks noGrp="1"/>
+          </p:cNvSpPr>
+          <p:nvPr>
+            <p:ph type="title"/>
+          </p:nvPr>
+        </p:nvSpPr>
+        <p:spPr/>
+        <p:txBody>
+          <a:bodyPr/>
+          <a:lstStyle/>
+          <a:p>
+            <a:r>
+              <a:rPr lang="en-US" dirty="0" smtClean="0"/>
+              <a:t>Metrics to Explore</a:t>
+            </a:r>
+            <a:endParaRPr lang="en-US" dirty="0"/>
+          </a:p>
+        </p:txBody>
+      </p:sp>
+      <p:sp>
+        <p:nvSpPr>
+          <p:cNvPr id="3" name="Content Placeholder 2"/>
+          <p:cNvSpPr>
+            <a:spLocks noGrp="1"/>
+          </p:cNvSpPr>
+          <p:nvPr>
+            <p:ph idx="1"/>
+          </p:nvPr>
+        </p:nvSpPr>
+        <p:spPr/>
+        <p:txBody>
+          <a:bodyPr>
+            <a:normAutofit lnSpcReduction="10000"/>
+          </a:bodyPr>
+          <a:lstStyle/>
+          <a:p>
+            <a:r>
+              <a:rPr lang="en-US" dirty="0"/>
+              <a:t># of </a:t>
+            </a:r>
+            <a:r>
+              <a:rPr lang="en-US" dirty="0" smtClean="0"/>
+              <a:t>works (songs) released</a:t>
+            </a:r>
+            <a:endParaRPr lang="en-US" dirty="0"/>
+          </a:p>
+          <a:p>
+            <a:r>
+              <a:rPr lang="en-US" dirty="0" smtClean="0"/>
+              <a:t># of times released worldwide</a:t>
+            </a:r>
+            <a:endParaRPr lang="en-US" dirty="0"/>
+          </a:p>
+          <a:p>
+            <a:r>
+              <a:rPr lang="en-US" i="1" dirty="0" smtClean="0"/>
+              <a:t># of </a:t>
+            </a:r>
+            <a:r>
+              <a:rPr lang="en-US" i="1" u="sng" dirty="0" smtClean="0"/>
+              <a:t>cover</a:t>
+            </a:r>
+            <a:r>
+              <a:rPr lang="en-US" dirty="0" smtClean="0"/>
+              <a:t> </a:t>
+            </a:r>
+            <a:r>
+              <a:rPr lang="en-US" dirty="0"/>
+              <a:t>recordings of each artist's respective </a:t>
+            </a:r>
+            <a:r>
+              <a:rPr lang="en-US" dirty="0" smtClean="0"/>
+              <a:t>catalog</a:t>
+            </a:r>
+          </a:p>
+          <a:p>
+            <a:r>
+              <a:rPr lang="en-US" dirty="0" smtClean="0"/>
+              <a:t># of times a given work is covered.</a:t>
+            </a:r>
+            <a:endParaRPr lang="en-US" dirty="0"/>
+          </a:p>
+          <a:p>
+            <a:r>
+              <a:rPr lang="en-US" dirty="0"/>
+              <a:t>User </a:t>
+            </a:r>
+            <a:r>
+              <a:rPr lang="en-US" dirty="0" smtClean="0"/>
+              <a:t>ratings original and cover releases. </a:t>
+            </a:r>
+          </a:p>
+          <a:p>
+            <a:r>
+              <a:rPr lang="en-US" dirty="0" smtClean="0"/>
+              <a:t>Time-based representation of the works and covers.</a:t>
+            </a:r>
+          </a:p>
+          <a:p>
+            <a:endParaRPr lang="en-US" dirty="0"/>
+          </a:p>
+          <a:p>
+            <a:r>
+              <a:rPr lang="en-US" i="1" dirty="0" smtClean="0"/>
+              <a:t>The goal is to build a relationship between the original work and the use by subsequent artists to show and quantify the influence.</a:t>
+            </a:r>
+            <a:endParaRPr lang="en-US" i="1" dirty="0"/>
           </a:p>
         </p:txBody>
       </p:sp>
@@ -3701,6 +4100,13 @@
   <p:clrMapOvr>
     <a:masterClrMapping/>
   </p:clrMapOvr>
+  <p:timing>
+    <p:tnLst>
+      <p:par>
+        <p:cTn xmlns:p14="http://schemas.microsoft.com/office/powerpoint/2010/main" id="1" dur="indefinite" restart="never" nodeType="tmRoot"/>
+      </p:par>
+    </p:tnLst>
+  </p:timing>
 </p:sld>
 </file>
 
